--- a/Final 5100 ppt的副本.pptx
+++ b/Final 5100 ppt的副本.pptx
@@ -7101,7 +7101,7 @@
         </p:nvSpPr>
         <p:spPr>
           <a:xfrm>
-            <a:off x="6225143" y="3003628"/>
+            <a:off x="6187678" y="3013788"/>
             <a:ext cx="6632902" cy="1205309"/>
           </a:xfrm>
           <a:prstGeom prst="rect">
@@ -7128,7 +7128,7 @@
               <a:defRPr/>
             </a:pPr>
             <a:r>
-              <a:rPr lang="zh-CN" altLang="en-US" sz="4000" kern="0" dirty="0">
+              <a:rPr lang="en-US" altLang="zh-CN" sz="4000" kern="0" dirty="0">
                 <a:solidFill>
                   <a:schemeClr val="bg1"/>
                 </a:solidFill>
@@ -7137,9 +7137,9 @@
                 <a:cs typeface="+mj-cs"/>
                 <a:sym typeface="Arial" panose="020B0704020202020204" pitchFamily="34" charset="0"/>
               </a:rPr>
-              <a:t>总结</a:t>
+              <a:t>Conclusion</a:t>
             </a:r>
-            <a:endParaRPr lang="zh-CN" altLang="en-US" sz="4000" kern="0" dirty="0">
+            <a:endParaRPr lang="en-US" altLang="zh-CN" sz="4000" kern="0" dirty="0">
               <a:solidFill>
                 <a:schemeClr val="bg1"/>
               </a:solidFill>
@@ -7153,192 +7153,13 @@
       </p:sp>
       <p:sp>
         <p:nvSpPr>
-          <p:cNvPr id="2052" name="文本框 13"/>
+          <p:cNvPr id="2053" name="文本框 14"/>
           <p:cNvSpPr txBox="1">
             <a:spLocks noChangeArrowheads="1"/>
           </p:cNvSpPr>
           <p:nvPr>
             <p:custDataLst>
               <p:tags r:id="rId3"/>
-            </p:custDataLst>
-          </p:nvPr>
-        </p:nvSpPr>
-        <p:spPr bwMode="auto">
-          <a:xfrm>
-            <a:off x="3619668" y="3285953"/>
-            <a:ext cx="646011" cy="340863"/>
-          </a:xfrm>
-          <a:prstGeom prst="rect">
-            <a:avLst/>
-          </a:prstGeom>
-          <a:noFill/>
-          <a:ln>
-            <a:noFill/>
-          </a:ln>
-          <a:extLst>
-            <a:ext uri="{909E8E84-426E-40DD-AFC4-6F175D3DCCD1}">
-              <a14:hiddenFill xmlns:a14="http://schemas.microsoft.com/office/drawing/2010/main">
-                <a:solidFill>
-                  <a:srgbClr val="FFFFFF"/>
-                </a:solidFill>
-              </a14:hiddenFill>
-            </a:ext>
-            <a:ext uri="{91240B29-F687-4F45-9708-019B960494DF}">
-              <a14:hiddenLine xmlns:a14="http://schemas.microsoft.com/office/drawing/2010/main" w="9525">
-                <a:solidFill>
-                  <a:srgbClr val="000000"/>
-                </a:solidFill>
-                <a:miter lim="800000"/>
-                <a:headEnd/>
-                <a:tailEnd/>
-              </a14:hiddenLine>
-            </a:ext>
-          </a:extLst>
-        </p:spPr>
-        <p:txBody>
-          <a:bodyPr wrap="none" lIns="0" tIns="0" rIns="0" bIns="0">
-            <a:spAutoFit/>
-          </a:bodyPr>
-          <a:lstStyle>
-            <a:lvl1pPr>
-              <a:defRPr>
-                <a:solidFill>
-                  <a:schemeClr val="tx1"/>
-                </a:solidFill>
-                <a:latin typeface="Calibri" panose="020F0502020204030204" pitchFamily="34" charset="0"/>
-                <a:ea typeface="宋体" panose="02010600030101010101" pitchFamily="2" charset="-122"/>
-              </a:defRPr>
-            </a:lvl1pPr>
-            <a:lvl2pPr marL="742950" indent="-285750">
-              <a:defRPr>
-                <a:solidFill>
-                  <a:schemeClr val="tx1"/>
-                </a:solidFill>
-                <a:latin typeface="Calibri" panose="020F0502020204030204" pitchFamily="34" charset="0"/>
-                <a:ea typeface="宋体" panose="02010600030101010101" pitchFamily="2" charset="-122"/>
-              </a:defRPr>
-            </a:lvl2pPr>
-            <a:lvl3pPr marL="1143000" indent="-228600">
-              <a:defRPr>
-                <a:solidFill>
-                  <a:schemeClr val="tx1"/>
-                </a:solidFill>
-                <a:latin typeface="Calibri" panose="020F0502020204030204" pitchFamily="34" charset="0"/>
-                <a:ea typeface="宋体" panose="02010600030101010101" pitchFamily="2" charset="-122"/>
-              </a:defRPr>
-            </a:lvl3pPr>
-            <a:lvl4pPr marL="1600200" indent="-228600">
-              <a:defRPr>
-                <a:solidFill>
-                  <a:schemeClr val="tx1"/>
-                </a:solidFill>
-                <a:latin typeface="Calibri" panose="020F0502020204030204" pitchFamily="34" charset="0"/>
-                <a:ea typeface="宋体" panose="02010600030101010101" pitchFamily="2" charset="-122"/>
-              </a:defRPr>
-            </a:lvl4pPr>
-            <a:lvl5pPr marL="2057400" indent="-228600">
-              <a:defRPr>
-                <a:solidFill>
-                  <a:schemeClr val="tx1"/>
-                </a:solidFill>
-                <a:latin typeface="Calibri" panose="020F0502020204030204" pitchFamily="34" charset="0"/>
-                <a:ea typeface="宋体" panose="02010600030101010101" pitchFamily="2" charset="-122"/>
-              </a:defRPr>
-            </a:lvl5pPr>
-            <a:lvl6pPr marL="2514600" indent="-228600" fontAlgn="base">
-              <a:spcBef>
-                <a:spcPct val="0"/>
-              </a:spcBef>
-              <a:spcAft>
-                <a:spcPct val="0"/>
-              </a:spcAft>
-              <a:defRPr>
-                <a:solidFill>
-                  <a:schemeClr val="tx1"/>
-                </a:solidFill>
-                <a:latin typeface="Calibri" panose="020F0502020204030204" pitchFamily="34" charset="0"/>
-                <a:ea typeface="宋体" panose="02010600030101010101" pitchFamily="2" charset="-122"/>
-              </a:defRPr>
-            </a:lvl6pPr>
-            <a:lvl7pPr marL="2971800" indent="-228600" fontAlgn="base">
-              <a:spcBef>
-                <a:spcPct val="0"/>
-              </a:spcBef>
-              <a:spcAft>
-                <a:spcPct val="0"/>
-              </a:spcAft>
-              <a:defRPr>
-                <a:solidFill>
-                  <a:schemeClr val="tx1"/>
-                </a:solidFill>
-                <a:latin typeface="Calibri" panose="020F0502020204030204" pitchFamily="34" charset="0"/>
-                <a:ea typeface="宋体" panose="02010600030101010101" pitchFamily="2" charset="-122"/>
-              </a:defRPr>
-            </a:lvl7pPr>
-            <a:lvl8pPr marL="3429000" indent="-228600" fontAlgn="base">
-              <a:spcBef>
-                <a:spcPct val="0"/>
-              </a:spcBef>
-              <a:spcAft>
-                <a:spcPct val="0"/>
-              </a:spcAft>
-              <a:defRPr>
-                <a:solidFill>
-                  <a:schemeClr val="tx1"/>
-                </a:solidFill>
-                <a:latin typeface="Calibri" panose="020F0502020204030204" pitchFamily="34" charset="0"/>
-                <a:ea typeface="宋体" panose="02010600030101010101" pitchFamily="2" charset="-122"/>
-              </a:defRPr>
-            </a:lvl8pPr>
-            <a:lvl9pPr marL="3886200" indent="-228600" fontAlgn="base">
-              <a:spcBef>
-                <a:spcPct val="0"/>
-              </a:spcBef>
-              <a:spcAft>
-                <a:spcPct val="0"/>
-              </a:spcAft>
-              <a:defRPr>
-                <a:solidFill>
-                  <a:schemeClr val="tx1"/>
-                </a:solidFill>
-                <a:latin typeface="Calibri" panose="020F0502020204030204" pitchFamily="34" charset="0"/>
-                <a:ea typeface="宋体" panose="02010600030101010101" pitchFamily="2" charset="-122"/>
-              </a:defRPr>
-            </a:lvl9pPr>
-          </a:lstStyle>
-          <a:p>
-            <a:pPr algn="ctr" eaLnBrk="1" hangingPunct="1"/>
-            <a:r>
-              <a:rPr lang="zh-CN" altLang="en-US" sz="2215" dirty="0">
-                <a:solidFill>
-                  <a:schemeClr val="accent1"/>
-                </a:solidFill>
-                <a:latin typeface="Arial" panose="020B0704020202020204" pitchFamily="34" charset="0"/>
-                <a:ea typeface="微软雅黑" panose="020B0503020204020204" pitchFamily="34" charset="-122"/>
-                <a:sym typeface="Arial" panose="020B0704020202020204" pitchFamily="34" charset="0"/>
-              </a:rPr>
-              <a:t>章 节</a:t>
-            </a:r>
-            <a:endParaRPr lang="zh-CN" altLang="en-US" sz="2215" dirty="0">
-              <a:solidFill>
-                <a:schemeClr val="accent1"/>
-              </a:solidFill>
-              <a:latin typeface="Arial" panose="020B0704020202020204" pitchFamily="34" charset="0"/>
-              <a:ea typeface="微软雅黑" panose="020B0503020204020204" pitchFamily="34" charset="-122"/>
-              <a:sym typeface="Arial" panose="020B0704020202020204" pitchFamily="34" charset="0"/>
-            </a:endParaRPr>
-          </a:p>
-        </p:txBody>
-      </p:sp>
-      <p:sp>
-        <p:nvSpPr>
-          <p:cNvPr id="2053" name="文本框 14"/>
-          <p:cNvSpPr txBox="1">
-            <a:spLocks noChangeArrowheads="1"/>
-          </p:cNvSpPr>
-          <p:nvPr>
-            <p:custDataLst>
-              <p:tags r:id="rId4"/>
             </p:custDataLst>
           </p:nvPr>
         </p:nvSpPr>
@@ -7511,7 +7332,7 @@
       </p:sp>
     </p:spTree>
     <p:custDataLst>
-      <p:tags r:id="rId5"/>
+      <p:tags r:id="rId4"/>
     </p:custDataLst>
   </p:cSld>
   <p:clrMapOvr>
@@ -7647,7 +7468,7 @@
                                           </p:stCondLst>
                                         </p:cTn>
                                         <p:tgtEl>
-                                          <p:spTgt spid="2052"/>
+                                          <p:spTgt spid="2053"/>
                                         </p:tgtEl>
                                         <p:attrNameLst>
                                           <p:attrName>style.visibility</p:attrName>
@@ -7665,7 +7486,7 @@
                                           </p:stCondLst>
                                         </p:cTn>
                                         <p:tgtEl>
-                                          <p:spTgt spid="2052"/>
+                                          <p:spTgt spid="2053"/>
                                         </p:tgtEl>
                                         <p:attrNameLst>
                                           <p:attrName>ppt_w</p:attrName>
@@ -7680,7 +7501,7 @@
                                           </p:stCondLst>
                                         </p:cTn>
                                         <p:tgtEl>
-                                          <p:spTgt spid="2052"/>
+                                          <p:spTgt spid="2053"/>
                                         </p:tgtEl>
                                         <p:attrNameLst>
                                           <p:attrName>ppt_x</p:attrName>
@@ -7695,7 +7516,7 @@
                                           </p:stCondLst>
                                         </p:cTn>
                                         <p:tgtEl>
-                                          <p:spTgt spid="2052"/>
+                                          <p:spTgt spid="2053"/>
                                         </p:tgtEl>
                                         <p:attrNameLst>
                                           <p:attrName>ppt_y</p:attrName>
@@ -7705,96 +7526,6 @@
                                     <p:animRot by="21600000">
                                       <p:cBhvr>
                                         <p:cTn id="16" dur="1000" fill="hold">
-                                          <p:stCondLst>
-                                            <p:cond delay="0"/>
-                                          </p:stCondLst>
-                                        </p:cTn>
-                                        <p:tgtEl>
-                                          <p:spTgt spid="2052"/>
-                                        </p:tgtEl>
-                                        <p:attrNameLst>
-                                          <p:attrName>r</p:attrName>
-                                        </p:attrNameLst>
-                                      </p:cBhvr>
-                                    </p:animRot>
-                                  </p:childTnLst>
-                                </p:cTn>
-                              </p:par>
-                              <p:par>
-                                <p:cTn id="17" presetID="56" presetClass="entr" presetSubtype="0" fill="hold" grpId="0" nodeType="withEffect">
-                                  <p:stCondLst>
-                                    <p:cond delay="0"/>
-                                  </p:stCondLst>
-                                  <p:iterate type="lt">
-                                    <p:tmPct val="10000"/>
-                                  </p:iterate>
-                                  <p:childTnLst>
-                                    <p:set>
-                                      <p:cBhvr>
-                                        <p:cTn id="18" dur="1" fill="hold">
-                                          <p:stCondLst>
-                                            <p:cond delay="0"/>
-                                          </p:stCondLst>
-                                        </p:cTn>
-                                        <p:tgtEl>
-                                          <p:spTgt spid="2053"/>
-                                        </p:tgtEl>
-                                        <p:attrNameLst>
-                                          <p:attrName>style.visibility</p:attrName>
-                                        </p:attrNameLst>
-                                      </p:cBhvr>
-                                      <p:to>
-                                        <p:strVal val="visible"/>
-                                      </p:to>
-                                    </p:set>
-                                    <p:anim by="(-#ppt_w*2)" calcmode="lin" valueType="num">
-                                      <p:cBhvr rctx="PPT">
-                                        <p:cTn id="19" dur="500" autoRev="1" fill="hold">
-                                          <p:stCondLst>
-                                            <p:cond delay="0"/>
-                                          </p:stCondLst>
-                                        </p:cTn>
-                                        <p:tgtEl>
-                                          <p:spTgt spid="2053"/>
-                                        </p:tgtEl>
-                                        <p:attrNameLst>
-                                          <p:attrName>ppt_w</p:attrName>
-                                        </p:attrNameLst>
-                                      </p:cBhvr>
-                                    </p:anim>
-                                    <p:anim by="(#ppt_w*0.50)" calcmode="lin" valueType="num">
-                                      <p:cBhvr>
-                                        <p:cTn id="20" dur="500" decel="50000" autoRev="1" fill="hold">
-                                          <p:stCondLst>
-                                            <p:cond delay="0"/>
-                                          </p:stCondLst>
-                                        </p:cTn>
-                                        <p:tgtEl>
-                                          <p:spTgt spid="2053"/>
-                                        </p:tgtEl>
-                                        <p:attrNameLst>
-                                          <p:attrName>ppt_x</p:attrName>
-                                        </p:attrNameLst>
-                                      </p:cBhvr>
-                                    </p:anim>
-                                    <p:anim from="(-#ppt_h/2)" to="(#ppt_y)" calcmode="lin" valueType="num">
-                                      <p:cBhvr>
-                                        <p:cTn id="21" dur="1000" fill="hold">
-                                          <p:stCondLst>
-                                            <p:cond delay="0"/>
-                                          </p:stCondLst>
-                                        </p:cTn>
-                                        <p:tgtEl>
-                                          <p:spTgt spid="2053"/>
-                                        </p:tgtEl>
-                                        <p:attrNameLst>
-                                          <p:attrName>ppt_y</p:attrName>
-                                        </p:attrNameLst>
-                                      </p:cBhvr>
-                                    </p:anim>
-                                    <p:animRot by="21600000">
-                                      <p:cBhvr>
-                                        <p:cTn id="22" dur="1000" fill="hold">
                                           <p:stCondLst>
                                             <p:cond delay="0"/>
                                           </p:stCondLst>
@@ -7817,26 +7548,26 @@
                     </p:cTn>
                   </p:par>
                   <p:par>
-                    <p:cTn id="23" fill="hold">
+                    <p:cTn id="17" fill="hold">
                       <p:stCondLst>
                         <p:cond delay="indefinite"/>
                       </p:stCondLst>
                       <p:childTnLst>
                         <p:par>
-                          <p:cTn id="24" fill="hold">
+                          <p:cTn id="18" fill="hold">
                             <p:stCondLst>
                               <p:cond delay="0"/>
                             </p:stCondLst>
                             <p:childTnLst>
                               <p:par>
-                                <p:cTn id="25" presetID="2" presetClass="entr" presetSubtype="8" fill="hold" grpId="0" nodeType="clickEffect">
+                                <p:cTn id="19" presetID="2" presetClass="entr" presetSubtype="8" fill="hold" grpId="0" nodeType="clickEffect">
                                   <p:stCondLst>
                                     <p:cond delay="0"/>
                                   </p:stCondLst>
                                   <p:childTnLst>
                                     <p:set>
                                       <p:cBhvr>
-                                        <p:cTn id="26" dur="1" fill="hold">
+                                        <p:cTn id="20" dur="1" fill="hold">
                                           <p:stCondLst>
                                             <p:cond delay="0"/>
                                           </p:stCondLst>
@@ -7854,7 +7585,7 @@
                                     </p:set>
                                     <p:anim calcmode="lin" valueType="num">
                                       <p:cBhvr additive="base">
-                                        <p:cTn id="27" dur="500" fill="hold"/>
+                                        <p:cTn id="21" dur="500" fill="hold"/>
                                         <p:tgtEl>
                                           <p:spTgt spid="13"/>
                                         </p:tgtEl>
@@ -7877,7 +7608,7 @@
                                     </p:anim>
                                     <p:anim calcmode="lin" valueType="num">
                                       <p:cBhvr additive="base">
-                                        <p:cTn id="28" dur="500" fill="hold"/>
+                                        <p:cTn id="22" dur="500" fill="hold"/>
                                         <p:tgtEl>
                                           <p:spTgt spid="13"/>
                                         </p:tgtEl>
@@ -7930,8 +7661,7 @@
     </p:tnLst>
     <p:bldLst>
       <p:bldP spid="12" grpId="0"/>
-      <p:bldP spid="13" grpId="0" animBg="1"/>
-      <p:bldP spid="2052" grpId="0"/>
+      <p:bldP spid="13" grpId="0" bldLvl="0" animBg="1"/>
       <p:bldP spid="2053" grpId="0"/>
     </p:bldLst>
   </p:timing>
@@ -8091,7 +7821,7 @@
         <p:spPr>
           <a:xfrm>
             <a:off x="884759" y="1129617"/>
-            <a:ext cx="4284772" cy="769441"/>
+            <a:ext cx="4284772" cy="953135"/>
           </a:xfrm>
           <a:prstGeom prst="rect">
             <a:avLst/>
@@ -8108,14 +7838,14 @@
           <a:p>
             <a:pPr algn="ctr"/>
             <a:r>
-              <a:rPr lang="zh-CN" altLang="en-US" sz="4400" dirty="0">
+              <a:rPr lang="en-US" altLang="zh-CN" sz="2800" dirty="0">
                 <a:solidFill>
                   <a:schemeClr val="bg1"/>
                 </a:solidFill>
               </a:rPr>
-              <a:t>仍存有的问题</a:t>
+              <a:t>How to expand global level</a:t>
             </a:r>
-            <a:endParaRPr lang="zh-CN" altLang="en-US" sz="4400" dirty="0">
+            <a:endParaRPr lang="en-US" altLang="zh-CN" sz="2800" u="sng" dirty="0">
               <a:solidFill>
                 <a:schemeClr val="bg1"/>
               </a:solidFill>
@@ -8132,7 +7862,7 @@
         <p:spPr>
           <a:xfrm>
             <a:off x="7005439" y="1129617"/>
-            <a:ext cx="4248472" cy="769441"/>
+            <a:ext cx="4248472" cy="768350"/>
           </a:xfrm>
           <a:prstGeom prst="rect">
             <a:avLst/>
@@ -8149,14 +7879,14 @@
           <a:p>
             <a:pPr algn="ctr"/>
             <a:r>
-              <a:rPr lang="zh-CN" altLang="en-US" sz="4400" dirty="0">
+              <a:rPr lang="en-US" altLang="zh-CN" sz="4400" dirty="0">
                 <a:solidFill>
                   <a:schemeClr val="bg1"/>
                 </a:solidFill>
               </a:rPr>
-              <a:t>解决方法</a:t>
+              <a:t>Solution</a:t>
             </a:r>
-            <a:endParaRPr lang="zh-CN" altLang="en-US" sz="4400" dirty="0">
+            <a:endParaRPr lang="en-US" altLang="zh-CN" sz="4400" dirty="0">
               <a:solidFill>
                 <a:schemeClr val="bg1"/>
               </a:solidFill>
@@ -8173,7 +7903,7 @@
         <p:spPr>
           <a:xfrm>
             <a:off x="539013" y="2302663"/>
-            <a:ext cx="5602329" cy="4524315"/>
+            <a:ext cx="5602329" cy="1383665"/>
           </a:xfrm>
           <a:prstGeom prst="rect">
             <a:avLst/>
@@ -8197,51 +7927,18 @@
               <a:buChar char="u"/>
             </a:pPr>
             <a:r>
-              <a:rPr lang="zh-CN" altLang="zh-CN" sz="3600" dirty="0"/>
-              <a:t>边缘地带仍存有贫困现象</a:t>
+              <a:rPr lang="zh-CN" altLang="zh-CN" sz="2800" dirty="0"/>
+              <a:t>The mode of transportation is relatively simple（</a:t>
             </a:r>
-            <a:endParaRPr lang="en-US" altLang="zh-CN" sz="3600" dirty="0"/>
-          </a:p>
-          <a:p>
-            <a:pPr marL="285750" indent="-285750">
-              <a:lnSpc>
-                <a:spcPct val="150000"/>
-              </a:lnSpc>
-              <a:buClr>
-                <a:schemeClr val="accent4"/>
-              </a:buClr>
-              <a:buFont typeface="Wingdings" panose="05000000000000000000" pitchFamily="2" charset="2"/>
-              <a:buChar char="u"/>
-            </a:pPr>
             <a:r>
-              <a:rPr lang="zh-CN" altLang="zh-CN" sz="3600" dirty="0"/>
-              <a:t>三大产业分布不均，产业结构不够和谐</a:t>
+              <a:rPr lang="en-US" altLang="zh-CN" sz="2800" dirty="0"/>
+              <a:t>only for land</a:t>
             </a:r>
-            <a:endParaRPr lang="en-US" altLang="zh-CN" sz="3600" dirty="0"/>
-          </a:p>
-          <a:p>
-            <a:pPr marL="285750" indent="-285750">
-              <a:lnSpc>
-                <a:spcPct val="150000"/>
-              </a:lnSpc>
-              <a:buClr>
-                <a:schemeClr val="accent4"/>
-              </a:buClr>
-              <a:buFont typeface="Wingdings" panose="05000000000000000000" pitchFamily="2" charset="2"/>
-              <a:buChar char="u"/>
-            </a:pPr>
             <a:r>
-              <a:rPr lang="zh-CN" altLang="en-US" sz="3600" dirty="0"/>
-              <a:t>城镇体系不完善</a:t>
+              <a:rPr lang="zh-CN" altLang="zh-CN" sz="2800" dirty="0"/>
+              <a:t>）</a:t>
             </a:r>
-            <a:endParaRPr lang="en-US" altLang="zh-CN" sz="3600" dirty="0"/>
-          </a:p>
-          <a:p>
-            <a:pPr marL="285750" indent="-285750">
-              <a:buFont typeface="Wingdings" panose="05000000000000000000" pitchFamily="2" charset="2"/>
-              <a:buChar char="u"/>
-            </a:pPr>
-            <a:endParaRPr lang="zh-CN" altLang="en-US" dirty="0"/>
+            <a:endParaRPr lang="zh-CN" altLang="zh-CN" sz="2800" dirty="0"/>
           </a:p>
         </p:txBody>
       </p:sp>
@@ -8253,8 +7950,8 @@
         </p:nvSpPr>
         <p:spPr>
           <a:xfrm>
-            <a:off x="7005439" y="2302663"/>
-            <a:ext cx="4896544" cy="4152483"/>
+            <a:off x="7005439" y="1966748"/>
+            <a:ext cx="4896544" cy="5077460"/>
           </a:xfrm>
           <a:prstGeom prst="rect">
             <a:avLst/>
@@ -8278,8 +7975,28 @@
               <a:buChar char="u"/>
             </a:pPr>
             <a:r>
-              <a:rPr lang="zh-CN" altLang="zh-CN" sz="3600" dirty="0"/>
-              <a:t>推进精准扶贫</a:t>
+              <a:rPr lang="zh-CN" altLang="zh-CN" sz="2400" dirty="0">
+                <a:sym typeface="+mn-ea"/>
+              </a:rPr>
+              <a:t>Increase means of transportation</a:t>
+            </a:r>
+            <a:r>
+              <a:rPr lang="en-US" altLang="zh-CN" sz="2400" dirty="0">
+                <a:sym typeface="+mn-ea"/>
+              </a:rPr>
+              <a:t>.(including air, sea,  and other means of </a:t>
+            </a:r>
+            <a:r>
+              <a:rPr lang="zh-CN" altLang="zh-CN" sz="2400" dirty="0">
+                <a:sym typeface="+mn-ea"/>
+              </a:rPr>
+              <a:t>transportation</a:t>
+            </a:r>
+            <a:r>
+              <a:rPr lang="en-US" altLang="zh-CN" sz="2400" dirty="0">
+                <a:sym typeface="+mn-ea"/>
+              </a:rPr>
+              <a:t>  )</a:t>
             </a:r>
             <a:endParaRPr lang="en-US" altLang="zh-CN" sz="3600" dirty="0"/>
           </a:p>
@@ -8295,87 +8012,42 @@
               <a:buChar char="u"/>
             </a:pPr>
             <a:r>
-              <a:rPr lang="zh-CN" altLang="zh-CN" sz="3600" dirty="0"/>
-              <a:t>加快构建特色产业体系</a:t>
+              <a:rPr lang="en-US" altLang="zh-CN" sz="2400" dirty="0">
+                <a:sym typeface="+mn-ea"/>
+              </a:rPr>
+              <a:t>A</a:t>
             </a:r>
-            <a:endParaRPr lang="en-US" altLang="zh-CN" sz="3600" dirty="0"/>
-          </a:p>
-          <a:p>
-            <a:pPr marL="285750" indent="-285750">
-              <a:lnSpc>
-                <a:spcPct val="150000"/>
-              </a:lnSpc>
-              <a:buClr>
-                <a:schemeClr val="accent1"/>
-              </a:buClr>
-              <a:buFont typeface="Wingdings" panose="05000000000000000000" pitchFamily="2" charset="2"/>
-              <a:buChar char="u"/>
-            </a:pPr>
             <a:r>
-              <a:rPr lang="zh-CN" altLang="zh-CN" sz="3600" dirty="0"/>
-              <a:t>着力打造新型城镇体系</a:t>
+              <a:rPr lang="zh-CN" altLang="en-US" sz="2400" dirty="0">
+                <a:sym typeface="+mn-ea"/>
+              </a:rPr>
+              <a:t>djust </a:t>
             </a:r>
-            <a:endParaRPr lang="zh-CN" altLang="en-US" sz="3600" dirty="0"/>
-          </a:p>
-        </p:txBody>
-      </p:sp>
-      <p:sp>
-        <p:nvSpPr>
-          <p:cNvPr id="29" name="文本框 28"/>
-          <p:cNvSpPr txBox="1"/>
-          <p:nvPr/>
-        </p:nvSpPr>
-        <p:spPr>
-          <a:xfrm>
-            <a:off x="668735" y="5983567"/>
-            <a:ext cx="1368152" cy="1015663"/>
-          </a:xfrm>
-          <a:prstGeom prst="rect">
-            <a:avLst/>
-          </a:prstGeom>
-          <a:noFill/>
-        </p:spPr>
-        <p:txBody>
-          <a:bodyPr wrap="square" rtlCol="0">
-            <a:spAutoFit/>
-          </a:bodyPr>
-          <a:lstStyle/>
-          <a:p>
             <a:r>
-              <a:rPr lang="en-US" altLang="zh-CN" sz="6000" dirty="0"/>
-              <a:t>……</a:t>
+              <a:rPr lang="zh-CN" altLang="en-US" sz="2400" dirty="0"/>
+              <a:t>different business terminals </a:t>
             </a:r>
-            <a:endParaRPr lang="zh-CN" altLang="en-US" sz="6000" dirty="0"/>
-          </a:p>
-        </p:txBody>
-      </p:sp>
-      <p:sp>
-        <p:nvSpPr>
-          <p:cNvPr id="30" name="文本框 29"/>
-          <p:cNvSpPr txBox="1"/>
-          <p:nvPr/>
-        </p:nvSpPr>
-        <p:spPr>
-          <a:xfrm>
-            <a:off x="7149159" y="5983567"/>
-            <a:ext cx="1368152" cy="1015663"/>
-          </a:xfrm>
-          <a:prstGeom prst="rect">
-            <a:avLst/>
-          </a:prstGeom>
-          <a:noFill/>
-        </p:spPr>
-        <p:txBody>
-          <a:bodyPr wrap="square" rtlCol="0">
-            <a:spAutoFit/>
-          </a:bodyPr>
-          <a:lstStyle/>
-          <a:p>
             <a:r>
-              <a:rPr lang="en-US" altLang="zh-CN" sz="6000" dirty="0"/>
-              <a:t>……</a:t>
+              <a:rPr lang="en-US" altLang="zh-CN" sz="2400" dirty="0"/>
+              <a:t>for</a:t>
             </a:r>
-            <a:endParaRPr lang="zh-CN" altLang="en-US" sz="6000" dirty="0"/>
+            <a:r>
+              <a:rPr lang="zh-CN" altLang="en-US" sz="2400" dirty="0"/>
+              <a:t> the corresponding client display platform such as mobile phones,</a:t>
+            </a:r>
+            <a:r>
+              <a:rPr lang="en-US" altLang="zh-CN" sz="2400" dirty="0"/>
+              <a:t>pads</a:t>
+            </a:r>
+            <a:r>
+              <a:rPr lang="zh-CN" altLang="en-US" sz="2400" dirty="0"/>
+              <a:t>  and other ways to access</a:t>
+            </a:r>
+            <a:r>
+              <a:rPr lang="en-US" altLang="zh-CN" sz="2400" dirty="0"/>
+              <a:t>.</a:t>
+            </a:r>
+            <a:endParaRPr lang="en-US" altLang="zh-CN" sz="2400" dirty="0"/>
           </a:p>
         </p:txBody>
       </p:sp>
@@ -8387,8 +8059,8 @@
         </p:nvSpPr>
         <p:spPr>
           <a:xfrm>
-            <a:off x="4917207" y="231949"/>
-            <a:ext cx="2664296" cy="707886"/>
+            <a:off x="4967372" y="546274"/>
+            <a:ext cx="2664296" cy="583565"/>
           </a:xfrm>
           <a:prstGeom prst="rect">
             <a:avLst/>
@@ -8403,15 +8075,180 @@
           <a:p>
             <a:pPr algn="ctr"/>
             <a:r>
-              <a:rPr lang="zh-CN" altLang="en-US" sz="4000" dirty="0">
+              <a:rPr lang="en-US" altLang="zh-CN" sz="3200" dirty="0">
                 <a:latin typeface="微软雅黑" panose="020B0503020204020204" pitchFamily="34" charset="-122"/>
                 <a:ea typeface="微软雅黑" panose="020B0503020204020204" pitchFamily="34" charset="-122"/>
               </a:rPr>
-              <a:t>总结</a:t>
+              <a:t>Conclusion</a:t>
             </a:r>
-            <a:endParaRPr lang="zh-CN" altLang="en-US" sz="4000" dirty="0">
+            <a:endParaRPr lang="en-US" altLang="zh-CN" sz="3200" dirty="0">
               <a:latin typeface="微软雅黑" panose="020B0503020204020204" pitchFamily="34" charset="-122"/>
               <a:ea typeface="微软雅黑" panose="020B0503020204020204" pitchFamily="34" charset="-122"/>
+            </a:endParaRPr>
+          </a:p>
+        </p:txBody>
+      </p:sp>
+      <p:sp>
+        <p:nvSpPr>
+          <p:cNvPr id="7" name="文本框 6"/>
+          <p:cNvSpPr txBox="1"/>
+          <p:nvPr/>
+        </p:nvSpPr>
+        <p:spPr>
+          <a:xfrm>
+            <a:off x="692785" y="3905885"/>
+            <a:ext cx="533400" cy="1799590"/>
+          </a:xfrm>
+          <a:prstGeom prst="rect">
+            <a:avLst/>
+          </a:prstGeom>
+          <a:noFill/>
+        </p:spPr>
+        <p:txBody>
+          <a:bodyPr wrap="none" rtlCol="0" anchor="t">
+            <a:spAutoFit/>
+          </a:bodyPr>
+          <a:p>
+            <a:pPr marL="285750" indent="-285750" algn="l" defTabSz="914400">
+              <a:lnSpc>
+                <a:spcPct val="150000"/>
+              </a:lnSpc>
+              <a:buClr>
+                <a:schemeClr val="accent4"/>
+              </a:buClr>
+              <a:buFont typeface="Wingdings" panose="05000000000000000000" pitchFamily="2" charset="2"/>
+              <a:buChar char="u"/>
+            </a:pPr>
+            <a:endParaRPr lang="zh-CN" altLang="zh-CN" sz="2800" dirty="0">
+              <a:latin typeface="+mn-lt"/>
+              <a:ea typeface="+mn-ea"/>
+              <a:sym typeface="+mn-ea"/>
+            </a:endParaRPr>
+          </a:p>
+          <a:p>
+            <a:pPr marL="285750" indent="-285750" algn="l" defTabSz="914400">
+              <a:lnSpc>
+                <a:spcPct val="150000"/>
+              </a:lnSpc>
+              <a:buClr>
+                <a:schemeClr val="accent4"/>
+              </a:buClr>
+              <a:buFont typeface="Wingdings" panose="05000000000000000000" pitchFamily="2" charset="2"/>
+              <a:buChar char="u"/>
+            </a:pPr>
+            <a:endParaRPr lang="zh-CN" altLang="zh-CN" sz="2800" dirty="0">
+              <a:latin typeface="+mn-lt"/>
+              <a:ea typeface="+mn-ea"/>
+              <a:sym typeface="+mn-ea"/>
+            </a:endParaRPr>
+          </a:p>
+          <a:p>
+            <a:pPr marL="0" indent="0" algn="l" defTabSz="914400">
+              <a:lnSpc>
+                <a:spcPct val="150000"/>
+              </a:lnSpc>
+              <a:buClr>
+                <a:schemeClr val="accent4"/>
+              </a:buClr>
+              <a:buFont typeface="Wingdings" panose="05000000000000000000" pitchFamily="2" charset="2"/>
+              <a:buNone/>
+            </a:pPr>
+            <a:endParaRPr lang="zh-CN" altLang="en-US"/>
+          </a:p>
+        </p:txBody>
+      </p:sp>
+      <p:sp>
+        <p:nvSpPr>
+          <p:cNvPr id="9" name="文本框 8"/>
+          <p:cNvSpPr txBox="1"/>
+          <p:nvPr/>
+        </p:nvSpPr>
+        <p:spPr>
+          <a:xfrm>
+            <a:off x="370205" y="3905885"/>
+            <a:ext cx="5763895" cy="1198880"/>
+          </a:xfrm>
+          <a:prstGeom prst="rect">
+            <a:avLst/>
+          </a:prstGeom>
+          <a:noFill/>
+        </p:spPr>
+        <p:txBody>
+          <a:bodyPr wrap="none" rtlCol="0" anchor="t">
+            <a:spAutoFit/>
+          </a:bodyPr>
+          <a:p>
+            <a:pPr marL="285750" indent="-285750" algn="l" defTabSz="914400">
+              <a:lnSpc>
+                <a:spcPct val="150000"/>
+              </a:lnSpc>
+              <a:buClr>
+                <a:schemeClr val="accent4"/>
+              </a:buClr>
+              <a:buFont typeface="Wingdings" panose="05000000000000000000" pitchFamily="2" charset="2"/>
+              <a:buChar char="u"/>
+            </a:pPr>
+            <a:r>
+              <a:rPr lang="zh-CN" altLang="zh-CN" sz="2400" dirty="0">
+                <a:latin typeface="+mn-lt"/>
+                <a:ea typeface="+mn-ea"/>
+                <a:sym typeface="+mn-ea"/>
+              </a:rPr>
+              <a:t> </a:t>
+            </a:r>
+            <a:r>
+              <a:rPr altLang="zh-CN" sz="2400" dirty="0">
+                <a:latin typeface="+mn-lt"/>
+                <a:ea typeface="+mn-ea"/>
+                <a:sym typeface="+mn-ea"/>
+              </a:rPr>
+              <a:t>Client presentation platform</a:t>
+            </a:r>
+            <a:r>
+              <a:rPr lang="zh-CN" altLang="zh-CN" sz="2400" dirty="0">
+                <a:latin typeface="+mn-lt"/>
+                <a:ea typeface="+mn-ea"/>
+                <a:sym typeface="+mn-ea"/>
+              </a:rPr>
+              <a:t> </a:t>
+            </a:r>
+            <a:r>
+              <a:rPr lang="en-US" altLang="zh-CN" sz="2400" dirty="0">
+                <a:latin typeface="+mn-lt"/>
+                <a:ea typeface="+mn-ea"/>
+                <a:sym typeface="+mn-ea"/>
+              </a:rPr>
+              <a:t>is only for</a:t>
+            </a:r>
+            <a:endParaRPr lang="en-US" altLang="zh-CN" sz="2400" dirty="0">
+              <a:latin typeface="+mn-lt"/>
+              <a:ea typeface="+mn-ea"/>
+              <a:sym typeface="+mn-ea"/>
+            </a:endParaRPr>
+          </a:p>
+          <a:p>
+            <a:pPr marL="0" indent="0" algn="l" defTabSz="914400">
+              <a:lnSpc>
+                <a:spcPct val="150000"/>
+              </a:lnSpc>
+              <a:buClr>
+                <a:schemeClr val="accent4"/>
+              </a:buClr>
+              <a:buFont typeface="Wingdings" panose="05000000000000000000" pitchFamily="2" charset="2"/>
+              <a:buNone/>
+            </a:pPr>
+            <a:r>
+              <a:rPr lang="en-US" altLang="zh-CN" sz="2400" dirty="0">
+                <a:latin typeface="+mn-lt"/>
+                <a:ea typeface="+mn-ea"/>
+                <a:sym typeface="+mn-ea"/>
+              </a:rPr>
+              <a:t> laptops </a:t>
+            </a:r>
+            <a:endParaRPr lang="en-US" altLang="zh-CN" sz="2400" dirty="0">
+              <a:latin typeface="+mn-lt"/>
+              <a:ea typeface="+mn-ea"/>
+              <a:sym typeface="+mn-ea"/>
             </a:endParaRPr>
           </a:p>
         </p:txBody>
@@ -8733,7 +8570,7 @@
         <p:spPr bwMode="auto">
           <a:xfrm>
             <a:off x="5755498" y="2774811"/>
-            <a:ext cx="5495525" cy="1107996"/>
+            <a:ext cx="5495525" cy="2215515"/>
           </a:xfrm>
           <a:prstGeom prst="rect">
             <a:avLst/>
@@ -8921,14 +8758,24 @@
               <a:buNone/>
             </a:pPr>
             <a:r>
-              <a:rPr lang="zh-CN" altLang="en-US" sz="7200" b="1" dirty="0">
+              <a:rPr lang="en-US" altLang="zh-CN" sz="7200" b="1" dirty="0">
                 <a:solidFill>
                   <a:schemeClr val="bg1"/>
                 </a:solidFill>
                 <a:latin typeface="Arial" panose="020B0704020202020204" pitchFamily="34" charset="0"/>
                 <a:cs typeface="Arial" panose="020B0704020202020204" pitchFamily="34" charset="0"/>
               </a:rPr>
-              <a:t>谢谢观看！</a:t>
+              <a:t>Thanks For Watching</a:t>
+            </a:r>
+            <a:r>
+              <a:rPr lang="zh-CN" altLang="en-US" sz="7200" b="1" dirty="0">
+                <a:solidFill>
+                  <a:schemeClr val="bg1"/>
+                </a:solidFill>
+                <a:latin typeface="Arial" panose="020B0704020202020204" pitchFamily="34" charset="0"/>
+                <a:cs typeface="Arial" panose="020B0704020202020204" pitchFamily="34" charset="0"/>
+              </a:rPr>
+              <a:t>！</a:t>
             </a:r>
             <a:endParaRPr lang="en-US" altLang="zh-CN" sz="7200" b="1" dirty="0">
               <a:solidFill>
@@ -8940,66 +8787,6 @@
           </a:p>
         </p:txBody>
       </p:sp>
-      <p:pic>
-        <p:nvPicPr>
-          <p:cNvPr id="10" name="图片 9"/>
-          <p:cNvPicPr>
-            <a:picLocks noChangeAspect="1"/>
-          </p:cNvPicPr>
-          <p:nvPr/>
-        </p:nvPicPr>
-        <p:blipFill>
-          <a:blip r:embed="rId1">
-            <a:extLst>
-              <a:ext uri="{28A0092B-C50C-407E-A947-70E740481C1C}">
-                <a14:useLocalDpi xmlns:a14="http://schemas.microsoft.com/office/drawing/2010/main" val="0"/>
-              </a:ext>
-            </a:extLst>
-          </a:blip>
-          <a:stretch>
-            <a:fillRect/>
-          </a:stretch>
-        </p:blipFill>
-        <p:spPr>
-          <a:xfrm>
-            <a:off x="237632" y="36231"/>
-            <a:ext cx="5022279" cy="3696327"/>
-          </a:xfrm>
-          <a:prstGeom prst="rect">
-            <a:avLst/>
-          </a:prstGeom>
-        </p:spPr>
-      </p:pic>
-      <p:pic>
-        <p:nvPicPr>
-          <p:cNvPr id="14" name="图片 13"/>
-          <p:cNvPicPr>
-            <a:picLocks noChangeAspect="1"/>
-          </p:cNvPicPr>
-          <p:nvPr/>
-        </p:nvPicPr>
-        <p:blipFill>
-          <a:blip r:embed="rId2">
-            <a:extLst>
-              <a:ext uri="{28A0092B-C50C-407E-A947-70E740481C1C}">
-                <a14:useLocalDpi xmlns:a14="http://schemas.microsoft.com/office/drawing/2010/main" val="0"/>
-              </a:ext>
-            </a:extLst>
-          </a:blip>
-          <a:stretch>
-            <a:fillRect/>
-          </a:stretch>
-        </p:blipFill>
-        <p:spPr>
-          <a:xfrm>
-            <a:off x="222153" y="3780563"/>
-            <a:ext cx="5065264" cy="3400301"/>
-          </a:xfrm>
-          <a:prstGeom prst="rect">
-            <a:avLst/>
-          </a:prstGeom>
-        </p:spPr>
-      </p:pic>
     </p:spTree>
   </p:cSld>
   <p:clrMapOvr>
@@ -9438,7 +9225,7 @@
                         <p:par>
                           <p:cTn id="33" fill="hold">
                             <p:stCondLst>
-                              <p:cond delay="700"/>
+                              <p:cond delay="1450"/>
                             </p:stCondLst>
                             <p:childTnLst>
                               <p:par>
@@ -9502,8 +9289,8 @@
       <p:bldP spid="7" grpId="0" animBg="1"/>
       <p:bldP spid="8" grpId="0" animBg="1"/>
       <p:bldP spid="9" grpId="0" animBg="1"/>
-      <p:bldP spid="11" grpId="0"/>
-      <p:bldP spid="11" grpId="1"/>
+      <p:bldP spid="11" grpId="0" bldLvl="0" animBg="1"/>
+      <p:bldP spid="11" grpId="1" bldLvl="0" animBg="1"/>
     </p:bldLst>
   </p:timing>
 </p:sld>
@@ -16648,19 +16435,11 @@
 <p:tagLst xmlns:p="http://schemas.openxmlformats.org/presentationml/2006/main">
   <p:tag name="MH" val="20161022204303"/>
   <p:tag name="MH_LIBRARY" val="GRAPHIC"/>
-  <p:tag name="MH_ORDER" val="文本框 13"/>
+  <p:tag name="MH_ORDER" val="文本框 14"/>
 </p:tagLst>
 </file>
 
 <file path=ppt/tags/tag34.xml><?xml version="1.0" encoding="utf-8"?>
-<p:tagLst xmlns:p="http://schemas.openxmlformats.org/presentationml/2006/main">
-  <p:tag name="MH" val="20161022204303"/>
-  <p:tag name="MH_LIBRARY" val="GRAPHIC"/>
-  <p:tag name="MH_ORDER" val="文本框 14"/>
-</p:tagLst>
-</file>
-
-<file path=ppt/tags/tag35.xml><?xml version="1.0" encoding="utf-8"?>
 <p:tagLst xmlns:p="http://schemas.openxmlformats.org/presentationml/2006/main">
   <p:tag name="MH" val="20161022204303"/>
   <p:tag name="MH_LIBRARY" val="GRAPHIC"/>
